--- a/apresentacoes/Aula5/Etapa2/Etapa2.pptx
+++ b/apresentacoes/Aula5/Etapa2/Etapa2.pptx
@@ -21032,29 +21032,8 @@
                 <a:cs typeface="Century Gothic"/>
                 <a:sym typeface="Century Gothic"/>
               </a:rPr>
-              <a:t>Implementação da classe </a:t>
+              <a:t>Implementação da classe No()</a:t>
             </a:r>
-            <a:r>
-              <a:rPr lang="pt-BR" sz="3600" dirty="0" err="1">
-                <a:solidFill>
-                  <a:srgbClr val="F78321"/>
-                </a:solidFill>
-                <a:latin typeface="Century Gothic"/>
-                <a:ea typeface="Century Gothic"/>
-                <a:cs typeface="Century Gothic"/>
-                <a:sym typeface="Century Gothic"/>
-              </a:rPr>
-              <a:t>ListaDuplamenteEncadeada</a:t>
-            </a:r>
-            <a:endParaRPr lang="pt-BR" sz="3600" dirty="0">
-              <a:solidFill>
-                <a:srgbClr val="F78321"/>
-              </a:solidFill>
-              <a:latin typeface="Century Gothic"/>
-              <a:ea typeface="Century Gothic"/>
-              <a:cs typeface="Century Gothic"/>
-              <a:sym typeface="Century Gothic"/>
-            </a:endParaRPr>
           </a:p>
         </p:txBody>
       </p:sp>
@@ -22492,7 +22471,7 @@
         </p:blipFill>
         <p:spPr>
           <a:xfrm>
-            <a:off x="7196362" y="2461450"/>
+            <a:off x="7196362" y="86243"/>
             <a:ext cx="1938293" cy="2349447"/>
           </a:xfrm>
           <a:prstGeom prst="rect">
